--- a/PRESENTATION.pptx
+++ b/PRESENTATION.pptx
@@ -9539,9 +9539,18 @@
           <a:lstStyle/>
           <a:p>
             <a:r>
+              <a:rPr lang="en-US" dirty="0" err="1"/>
+              <a:t>Medizinische</a:t>
+            </a:r>
+            <a:r>
               <a:rPr lang="en-US" dirty="0"/>
-              <a:t>PRESENTATION TITLE</a:t>
-            </a:r>
+              <a:t> </a:t>
+            </a:r>
+            <a:r>
+              <a:rPr lang="en-US" dirty="0" err="1"/>
+              <a:t>Bildverarbeitung</a:t>
+            </a:r>
+            <a:endParaRPr lang="en-US" dirty="0"/>
           </a:p>
         </p:txBody>
       </p:sp>
@@ -9575,7 +9584,15 @@
           <a:p>
             <a:r>
               <a:rPr lang="en-US" dirty="0"/>
-              <a:t>Mirjam Nilsson</a:t>
+              <a:t>Jonas </a:t>
+            </a:r>
+            <a:r>
+              <a:rPr lang="en-US" dirty="0" err="1"/>
+              <a:t>Köllner</a:t>
+            </a:r>
+            <a:r>
+              <a:rPr lang="en-US" dirty="0"/>
+              <a:t>, Tim Grosch</a:t>
             </a:r>
           </a:p>
         </p:txBody>
@@ -10988,26 +11005,6 @@
 </file>
 
 <file path=customXml/item2.xml><?xml version="1.0" encoding="utf-8"?>
-<p:properties xmlns:p="http://schemas.microsoft.com/office/2006/metadata/properties" xmlns:xsi="http://www.w3.org/2001/XMLSchema-instance" xmlns:pc="http://schemas.microsoft.com/office/infopath/2007/PartnerControls">
-  <documentManagement>
-    <_ip_UnifiedCompliancePolicyUIAction xmlns="http://schemas.microsoft.com/sharepoint/v3" xsi:nil="true"/>
-    <Image xmlns="71af3243-3dd4-4a8d-8c0d-dd76da1f02a5">
-      <Url xsi:nil="true"/>
-      <Description xsi:nil="true"/>
-    </Image>
-    <Status xmlns="71af3243-3dd4-4a8d-8c0d-dd76da1f02a5">Not started</Status>
-    <_ip_UnifiedCompliancePolicyProperties xmlns="http://schemas.microsoft.com/sharepoint/v3" xsi:nil="true"/>
-    <ImageTagsTaxHTField xmlns="71af3243-3dd4-4a8d-8c0d-dd76da1f02a5">
-      <Terms xmlns="http://schemas.microsoft.com/office/infopath/2007/PartnerControls"/>
-    </ImageTagsTaxHTField>
-    <TaxCatchAll xmlns="230e9df3-be65-4c73-a93b-d1236ebd677e" xsi:nil="true"/>
-    <MediaServiceKeyPoints xmlns="71af3243-3dd4-4a8d-8c0d-dd76da1f02a5" xsi:nil="true"/>
-    <Background xmlns="71af3243-3dd4-4a8d-8c0d-dd76da1f02a5">false</Background>
-  </documentManagement>
-</p:properties>
-</file>
-
-<file path=customXml/item3.xml><?xml version="1.0" encoding="utf-8"?>
 <ct:contentTypeSchema xmlns:ct="http://schemas.microsoft.com/office/2006/metadata/contentType" xmlns:ma="http://schemas.microsoft.com/office/2006/metadata/properties/metaAttributes" ct:_="" ma:_="" ma:contentTypeName="Document" ma:contentTypeID="0x01010079F111ED35F8CC479449609E8A0923A6" ma:contentTypeVersion="28" ma:contentTypeDescription="Create a new document." ma:contentTypeScope="" ma:versionID="60f5a4f2d2b0abadcf532d48ebf9cb71">
   <xsd:schema xmlns:xsd="http://www.w3.org/2001/XMLSchema" xmlns:xs="http://www.w3.org/2001/XMLSchema" xmlns:p="http://schemas.microsoft.com/office/2006/metadata/properties" xmlns:ns1="http://schemas.microsoft.com/sharepoint/v3" xmlns:ns2="71af3243-3dd4-4a8d-8c0d-dd76da1f02a5" xmlns:ns3="16c05727-aa75-4e4a-9b5f-8a80a1165891" xmlns:ns4="230e9df3-be65-4c73-a93b-d1236ebd677e" targetNamespace="http://schemas.microsoft.com/office/2006/metadata/properties" ma:root="true" ma:fieldsID="7dd78129e6a1811f84807ad11c651531" ns1:_="" ns2:_="" ns3:_="" ns4:_="">
     <xsd:import namespace="http://schemas.microsoft.com/sharepoint/v3"/>
@@ -11319,6 +11316,26 @@
 </ct:contentTypeSchema>
 </file>
 
+<file path=customXml/item3.xml><?xml version="1.0" encoding="utf-8"?>
+<p:properties xmlns:p="http://schemas.microsoft.com/office/2006/metadata/properties" xmlns:xsi="http://www.w3.org/2001/XMLSchema-instance" xmlns:pc="http://schemas.microsoft.com/office/infopath/2007/PartnerControls">
+  <documentManagement>
+    <_ip_UnifiedCompliancePolicyUIAction xmlns="http://schemas.microsoft.com/sharepoint/v3" xsi:nil="true"/>
+    <Image xmlns="71af3243-3dd4-4a8d-8c0d-dd76da1f02a5">
+      <Url xsi:nil="true"/>
+      <Description xsi:nil="true"/>
+    </Image>
+    <Status xmlns="71af3243-3dd4-4a8d-8c0d-dd76da1f02a5">Not started</Status>
+    <_ip_UnifiedCompliancePolicyProperties xmlns="http://schemas.microsoft.com/sharepoint/v3" xsi:nil="true"/>
+    <ImageTagsTaxHTField xmlns="71af3243-3dd4-4a8d-8c0d-dd76da1f02a5">
+      <Terms xmlns="http://schemas.microsoft.com/office/infopath/2007/PartnerControls"/>
+    </ImageTagsTaxHTField>
+    <TaxCatchAll xmlns="230e9df3-be65-4c73-a93b-d1236ebd677e" xsi:nil="true"/>
+    <MediaServiceKeyPoints xmlns="71af3243-3dd4-4a8d-8c0d-dd76da1f02a5" xsi:nil="true"/>
+    <Background xmlns="71af3243-3dd4-4a8d-8c0d-dd76da1f02a5">false</Background>
+  </documentManagement>
+</p:properties>
+</file>
+
 <file path=customXml/itemProps1.xml><?xml version="1.0" encoding="utf-8"?>
 <ds:datastoreItem xmlns:ds="http://schemas.openxmlformats.org/officeDocument/2006/customXml" ds:itemID="{BD5826B4-4DD2-4A9B-8D6D-E91CF9C2316C}">
   <ds:schemaRefs>
@@ -11328,18 +11345,6 @@
 </file>
 
 <file path=customXml/itemProps2.xml><?xml version="1.0" encoding="utf-8"?>
-<ds:datastoreItem xmlns:ds="http://schemas.openxmlformats.org/officeDocument/2006/customXml" ds:itemID="{4CC7F809-A434-4A8D-A127-1C50C2DB3890}">
-  <ds:schemaRefs>
-    <ds:schemaRef ds:uri="http://schemas.microsoft.com/office/2006/metadata/properties"/>
-    <ds:schemaRef ds:uri="http://schemas.microsoft.com/office/infopath/2007/PartnerControls"/>
-    <ds:schemaRef ds:uri="http://schemas.microsoft.com/sharepoint/v3"/>
-    <ds:schemaRef ds:uri="71af3243-3dd4-4a8d-8c0d-dd76da1f02a5"/>
-    <ds:schemaRef ds:uri="230e9df3-be65-4c73-a93b-d1236ebd677e"/>
-  </ds:schemaRefs>
-</ds:datastoreItem>
-</file>
-
-<file path=customXml/itemProps3.xml><?xml version="1.0" encoding="utf-8"?>
 <ds:datastoreItem xmlns:ds="http://schemas.openxmlformats.org/officeDocument/2006/customXml" ds:itemID="{00E6EE1E-660B-46C6-AC21-8E505FB9574F}">
   <ds:schemaRefs>
     <ds:schemaRef ds:uri="http://schemas.microsoft.com/office/2006/metadata/contentType"/>
@@ -11360,6 +11365,18 @@
 </ds:datastoreItem>
 </file>
 
+<file path=customXml/itemProps3.xml><?xml version="1.0" encoding="utf-8"?>
+<ds:datastoreItem xmlns:ds="http://schemas.openxmlformats.org/officeDocument/2006/customXml" ds:itemID="{4CC7F809-A434-4A8D-A127-1C50C2DB3890}">
+  <ds:schemaRefs>
+    <ds:schemaRef ds:uri="http://schemas.microsoft.com/office/2006/metadata/properties"/>
+    <ds:schemaRef ds:uri="http://schemas.microsoft.com/office/infopath/2007/PartnerControls"/>
+    <ds:schemaRef ds:uri="http://schemas.microsoft.com/sharepoint/v3"/>
+    <ds:schemaRef ds:uri="71af3243-3dd4-4a8d-8c0d-dd76da1f02a5"/>
+    <ds:schemaRef ds:uri="230e9df3-be65-4c73-a93b-d1236ebd677e"/>
+  </ds:schemaRefs>
+</ds:datastoreItem>
+</file>
+
 <file path=docMetadata/LabelInfo.xml><?xml version="1.0" encoding="utf-8"?>
 <clbl:labelList xmlns:clbl="http://schemas.microsoft.com/office/2020/mipLabelMetadata"/>
 </file>
--- a/PRESENTATION.pptx
+++ b/PRESENTATION.pptx
@@ -5,16 +5,19 @@
     <p:sldMasterId id="2147483648" r:id="rId4"/>
   </p:sldMasterIdLst>
   <p:notesMasterIdLst>
-    <p:notesMasterId r:id="rId9"/>
+    <p:notesMasterId r:id="rId12"/>
   </p:notesMasterIdLst>
   <p:handoutMasterIdLst>
-    <p:handoutMasterId r:id="rId10"/>
+    <p:handoutMasterId r:id="rId13"/>
   </p:handoutMasterIdLst>
   <p:sldIdLst>
     <p:sldId id="256" r:id="rId5"/>
     <p:sldId id="258" r:id="rId6"/>
     <p:sldId id="259" r:id="rId7"/>
     <p:sldId id="260" r:id="rId8"/>
+    <p:sldId id="261" r:id="rId9"/>
+    <p:sldId id="262" r:id="rId10"/>
+    <p:sldId id="263" r:id="rId11"/>
   </p:sldIdLst>
   <p:sldSz cx="12192000" cy="6858000"/>
   <p:notesSz cx="6858000" cy="9144000"/>
@@ -9654,9 +9657,18 @@
           <a:lstStyle/>
           <a:p>
             <a:r>
+              <a:rPr lang="en-US" dirty="0" err="1"/>
+              <a:t>Einleseroutine</a:t>
+            </a:r>
+            <a:r>
               <a:rPr lang="en-US" dirty="0"/>
-              <a:t>INTRODUCTION</a:t>
-            </a:r>
+              <a:t> / </a:t>
+            </a:r>
+            <a:r>
+              <a:rPr lang="en-US" dirty="0" err="1"/>
+              <a:t>visualisierung</a:t>
+            </a:r>
+            <a:endParaRPr lang="en-US" dirty="0"/>
           </a:p>
         </p:txBody>
       </p:sp>
@@ -9679,17 +9691,192 @@
         <p:spPr>
           <a:xfrm>
             <a:off x="1362075" y="3660774"/>
-            <a:ext cx="5111750" cy="1525588"/>
+            <a:ext cx="5111750" cy="2695576"/>
           </a:xfrm>
         </p:spPr>
         <p:txBody>
           <a:bodyPr/>
           <a:lstStyle/>
           <a:p>
+            <a:pPr marL="285750" indent="-285750">
+              <a:buFont typeface="Arial" panose="020B0604020202020204" pitchFamily="34" charset="0"/>
+              <a:buChar char="•"/>
+            </a:pPr>
+            <a:r>
+              <a:rPr lang="en-US" dirty="0" err="1"/>
+              <a:t>Nifti_read</a:t>
+            </a:r>
             <a:r>
               <a:rPr lang="en-US" dirty="0"/>
-              <a:t>At Contoso, we empower organizations to foster collaborative thinking to further drive workplace innovation. By closing the loop and leveraging agile frameworks, we help business grow organically and foster a consumer-first mindset.​</a:t>
-            </a:r>
+              <a:t>-Loop</a:t>
+            </a:r>
+          </a:p>
+          <a:p>
+            <a:pPr marL="285750" indent="-285750">
+              <a:buFont typeface="Arial" panose="020B0604020202020204" pitchFamily="34" charset="0"/>
+              <a:buChar char="•"/>
+            </a:pPr>
+            <a:r>
+              <a:rPr lang="en-US" dirty="0" err="1"/>
+              <a:t>Speichern</a:t>
+            </a:r>
+            <a:r>
+              <a:rPr lang="en-US" dirty="0"/>
+              <a:t> der </a:t>
+            </a:r>
+            <a:r>
+              <a:rPr lang="en-US" dirty="0" err="1"/>
+              <a:t>interpolierten</a:t>
+            </a:r>
+            <a:r>
+              <a:rPr lang="en-US" dirty="0"/>
+              <a:t> </a:t>
+            </a:r>
+            <a:r>
+              <a:rPr lang="en-US" dirty="0" err="1"/>
+              <a:t>Volumina</a:t>
+            </a:r>
+            <a:r>
+              <a:rPr lang="en-US" dirty="0"/>
+              <a:t> und </a:t>
+            </a:r>
+            <a:r>
+              <a:rPr lang="en-US" dirty="0" err="1"/>
+              <a:t>Masken</a:t>
+            </a:r>
+            <a:r>
+              <a:rPr lang="en-US" dirty="0"/>
+              <a:t> </a:t>
+            </a:r>
+            <a:r>
+              <a:rPr lang="en-US" dirty="0" err="1"/>
+              <a:t>als</a:t>
+            </a:r>
+            <a:r>
+              <a:rPr lang="en-US" dirty="0"/>
+              <a:t> </a:t>
+            </a:r>
+            <a:r>
+              <a:rPr lang="en-US" dirty="0" err="1"/>
+              <a:t>Matlab-Dateien</a:t>
+            </a:r>
+            <a:endParaRPr lang="en-US" dirty="0"/>
+          </a:p>
+          <a:p>
+            <a:pPr marL="285750" indent="-285750">
+              <a:buFont typeface="Arial" panose="020B0604020202020204" pitchFamily="34" charset="0"/>
+              <a:buChar char="•"/>
+            </a:pPr>
+            <a:r>
+              <a:rPr lang="en-US" dirty="0" err="1"/>
+              <a:t>Importieren</a:t>
+            </a:r>
+            <a:r>
+              <a:rPr lang="en-US" dirty="0"/>
+              <a:t> </a:t>
+            </a:r>
+            <a:r>
+              <a:rPr lang="en-US" dirty="0" err="1"/>
+              <a:t>eines</a:t>
+            </a:r>
+            <a:r>
+              <a:rPr lang="en-US" dirty="0"/>
+              <a:t> </a:t>
+            </a:r>
+            <a:r>
+              <a:rPr lang="en-US" dirty="0" err="1"/>
+              <a:t>Datensatzes</a:t>
+            </a:r>
+            <a:r>
+              <a:rPr lang="en-US" dirty="0"/>
+              <a:t> </a:t>
+            </a:r>
+            <a:r>
+              <a:rPr lang="en-US" dirty="0" err="1"/>
+              <a:t>durch</a:t>
+            </a:r>
+            <a:r>
+              <a:rPr lang="en-US" dirty="0"/>
+              <a:t> </a:t>
+            </a:r>
+            <a:r>
+              <a:rPr lang="en-US" dirty="0" err="1"/>
+              <a:t>angeben</a:t>
+            </a:r>
+            <a:r>
+              <a:rPr lang="en-US" dirty="0"/>
+              <a:t> der Case-ID</a:t>
+            </a:r>
+          </a:p>
+          <a:p>
+            <a:pPr marL="285750" indent="-285750">
+              <a:buFont typeface="Arial" panose="020B0604020202020204" pitchFamily="34" charset="0"/>
+              <a:buChar char="•"/>
+            </a:pPr>
+            <a:r>
+              <a:rPr lang="en-US" dirty="0" err="1"/>
+              <a:t>Zuschnitt</a:t>
+            </a:r>
+            <a:r>
+              <a:rPr lang="en-US" dirty="0"/>
+              <a:t> auf </a:t>
+            </a:r>
+            <a:r>
+              <a:rPr lang="en-US" dirty="0" err="1"/>
+              <a:t>gewünschten</a:t>
+            </a:r>
+            <a:r>
+              <a:rPr lang="en-US" dirty="0"/>
+              <a:t> Slice </a:t>
+            </a:r>
+            <a:r>
+              <a:rPr lang="en-US" dirty="0" err="1"/>
+              <a:t>mit</a:t>
+            </a:r>
+            <a:r>
+              <a:rPr lang="en-US" dirty="0"/>
+              <a:t> squeeze-</a:t>
+            </a:r>
+            <a:r>
+              <a:rPr lang="en-US" dirty="0" err="1"/>
+              <a:t>Funktion</a:t>
+            </a:r>
+            <a:endParaRPr lang="en-US" dirty="0"/>
+          </a:p>
+          <a:p>
+            <a:pPr marL="285750" indent="-285750">
+              <a:buFont typeface="Arial" panose="020B0604020202020204" pitchFamily="34" charset="0"/>
+              <a:buChar char="•"/>
+            </a:pPr>
+            <a:r>
+              <a:rPr lang="en-US" dirty="0" err="1"/>
+              <a:t>Visualisierung</a:t>
+            </a:r>
+            <a:r>
+              <a:rPr lang="en-US" dirty="0"/>
+              <a:t> </a:t>
+            </a:r>
+            <a:r>
+              <a:rPr lang="en-US" dirty="0" err="1"/>
+              <a:t>mit</a:t>
+            </a:r>
+            <a:r>
+              <a:rPr lang="en-US" dirty="0"/>
+              <a:t> </a:t>
+            </a:r>
+            <a:r>
+              <a:rPr lang="en-US" dirty="0" err="1"/>
+              <a:t>imshow</a:t>
+            </a:r>
+            <a:r>
+              <a:rPr lang="en-US" dirty="0"/>
+              <a:t> und </a:t>
+            </a:r>
+            <a:r>
+              <a:rPr lang="en-US" dirty="0" err="1"/>
+              <a:t>imfuse</a:t>
+            </a:r>
+            <a:endParaRPr lang="en-US" dirty="0"/>
           </a:p>
         </p:txBody>
       </p:sp>
@@ -9720,9 +9907,18 @@
           <a:lstStyle/>
           <a:p>
             <a:r>
+              <a:rPr lang="en-US" dirty="0" err="1"/>
+              <a:t>Medizinische</a:t>
+            </a:r>
+            <a:r>
               <a:rPr lang="en-US" dirty="0"/>
-              <a:t>PRESENTATION TITLE</a:t>
-            </a:r>
+              <a:t> </a:t>
+            </a:r>
+            <a:r>
+              <a:rPr lang="en-US" dirty="0" err="1"/>
+              <a:t>Bildverarbeitung</a:t>
+            </a:r>
+            <a:endParaRPr lang="en-US" dirty="0"/>
           </a:p>
         </p:txBody>
       </p:sp>
@@ -9763,10 +9959,10 @@
       </p:sp>
       <p:pic>
         <p:nvPicPr>
-          <p:cNvPr id="7" name="Grafik 6" descr="Ein Bild, das Menschliches Gesicht, Person, Lächeln, Vorderkopf enthält.&#10;&#10;Automatisch generierte Beschreibung">
-            <a:extLst>
-              <a:ext uri="{FF2B5EF4-FFF2-40B4-BE49-F238E27FC236}">
-                <a16:creationId xmlns:a16="http://schemas.microsoft.com/office/drawing/2014/main" id="{56B7B4CD-15E3-FDAC-C286-FC6E2CEB23AD}"/>
+          <p:cNvPr id="10" name="Grafik 9" descr="Ein Bild, das Wirbellose, Insekt enthält.&#10;&#10;Automatisch generierte Beschreibung">
+            <a:extLst>
+              <a:ext uri="{FF2B5EF4-FFF2-40B4-BE49-F238E27FC236}">
+                <a16:creationId xmlns:a16="http://schemas.microsoft.com/office/drawing/2014/main" id="{C37637FB-8E6C-5019-B534-F467465DAA23}"/>
               </a:ext>
             </a:extLst>
           </p:cNvPr>
@@ -9783,8 +9979,8 @@
         </p:blipFill>
         <p:spPr>
           <a:xfrm>
-            <a:off x="7997899" y="1598935"/>
-            <a:ext cx="2832026" cy="3660130"/>
+            <a:off x="6473825" y="1524791"/>
+            <a:ext cx="5718175" cy="4271965"/>
           </a:xfrm>
           <a:prstGeom prst="rect">
             <a:avLst/>
@@ -9812,7 +10008,7 @@
         <p:cNvPr id="1" name="">
           <a:extLst>
             <a:ext uri="{FF2B5EF4-FFF2-40B4-BE49-F238E27FC236}">
-              <a16:creationId xmlns:a16="http://schemas.microsoft.com/office/drawing/2014/main" id="{FEB588B0-823E-D57C-A89C-69224C26535F}"/>
+              <a16:creationId xmlns:a16="http://schemas.microsoft.com/office/drawing/2014/main" id="{B26C5F86-6CB4-205A-11A7-6C270D2C551F}"/>
             </a:ext>
           </a:extLst>
         </p:cNvPr>
@@ -9832,7 +10028,7 @@
           <p:cNvPr id="2" name="Title 1">
             <a:extLst>
               <a:ext uri="{FF2B5EF4-FFF2-40B4-BE49-F238E27FC236}">
-                <a16:creationId xmlns:a16="http://schemas.microsoft.com/office/drawing/2014/main" id="{4D466A0B-9BD3-DB45-4AAD-DFDD37D589CE}"/>
+                <a16:creationId xmlns:a16="http://schemas.microsoft.com/office/drawing/2014/main" id="{631AEDDF-E129-F119-8010-C25B8C8B7EAD}"/>
               </a:ext>
             </a:extLst>
           </p:cNvPr>
@@ -9854,9 +10050,18 @@
           <a:lstStyle/>
           <a:p>
             <a:r>
+              <a:rPr lang="en-US" dirty="0" err="1"/>
+              <a:t>Vorverarbeitung</a:t>
+            </a:r>
+            <a:r>
               <a:rPr lang="en-US" dirty="0"/>
-              <a:t>INTRODUCTION</a:t>
-            </a:r>
+              <a:t> / </a:t>
+            </a:r>
+            <a:r>
+              <a:rPr lang="en-US" dirty="0" err="1"/>
+              <a:t>Kantendetektion</a:t>
+            </a:r>
+            <a:endParaRPr lang="en-US" dirty="0"/>
           </a:p>
         </p:txBody>
       </p:sp>
@@ -9865,7 +10070,7 @@
           <p:cNvPr id="3" name="Text Placeholder 2">
             <a:extLst>
               <a:ext uri="{FF2B5EF4-FFF2-40B4-BE49-F238E27FC236}">
-                <a16:creationId xmlns:a16="http://schemas.microsoft.com/office/drawing/2014/main" id="{43B1B897-A61E-15F6-9C57-7CE3D3B85F87}"/>
+                <a16:creationId xmlns:a16="http://schemas.microsoft.com/office/drawing/2014/main" id="{A72ABC0F-1D86-E40D-D0D3-211767DD01E1}"/>
               </a:ext>
             </a:extLst>
           </p:cNvPr>
@@ -9879,7 +10084,113 @@
         <p:spPr>
           <a:xfrm>
             <a:off x="1362075" y="3660774"/>
-            <a:ext cx="5111750" cy="1525588"/>
+            <a:ext cx="5111750" cy="2695576"/>
+          </a:xfrm>
+        </p:spPr>
+        <p:txBody>
+          <a:bodyPr>
+            <a:normAutofit/>
+          </a:bodyPr>
+          <a:lstStyle/>
+          <a:p>
+            <a:pPr marL="285750" indent="-285750">
+              <a:buFont typeface="Arial" panose="020B0604020202020204" pitchFamily="34" charset="0"/>
+              <a:buChar char="•"/>
+            </a:pPr>
+            <a:r>
+              <a:rPr lang="de-DE" dirty="0"/>
+              <a:t>Interpolation und Zuschnitt auf gewünschte Schichten bereits in </a:t>
+            </a:r>
+            <a:r>
+              <a:rPr lang="de-DE" dirty="0" err="1"/>
+              <a:t>Einleseroutine</a:t>
+            </a:r>
+            <a:endParaRPr lang="de-DE" dirty="0"/>
+          </a:p>
+          <a:p>
+            <a:pPr marL="285750" indent="-285750">
+              <a:buFont typeface="Arial" panose="020B0604020202020204" pitchFamily="34" charset="0"/>
+              <a:buChar char="•"/>
+            </a:pPr>
+            <a:r>
+              <a:rPr lang="de-DE" dirty="0"/>
+              <a:t>Glättung mittels </a:t>
+            </a:r>
+            <a:r>
+              <a:rPr lang="de-DE" dirty="0" err="1"/>
+              <a:t>Gauss</a:t>
+            </a:r>
+            <a:r>
+              <a:rPr lang="de-DE" dirty="0"/>
+              <a:t>-Filter</a:t>
+            </a:r>
+          </a:p>
+          <a:p>
+            <a:pPr marL="285750" indent="-285750">
+              <a:buFont typeface="Arial" panose="020B0604020202020204" pitchFamily="34" charset="0"/>
+              <a:buChar char="•"/>
+            </a:pPr>
+            <a:r>
+              <a:rPr lang="de-DE" dirty="0"/>
+              <a:t>Für möglichst robuste Kantendetektion Kombination mehrerer Methoden</a:t>
+            </a:r>
+          </a:p>
+          <a:p>
+            <a:pPr marL="285750" indent="-285750">
+              <a:buFont typeface="Arial" panose="020B0604020202020204" pitchFamily="34" charset="0"/>
+              <a:buChar char="•"/>
+            </a:pPr>
+            <a:r>
+              <a:rPr lang="de-DE" dirty="0"/>
+              <a:t>Sobel, </a:t>
+            </a:r>
+            <a:r>
+              <a:rPr lang="de-DE" dirty="0" err="1"/>
+              <a:t>Canny</a:t>
+            </a:r>
+            <a:r>
+              <a:rPr lang="de-DE" dirty="0"/>
+              <a:t>, </a:t>
+            </a:r>
+            <a:r>
+              <a:rPr lang="de-DE" dirty="0" err="1"/>
+              <a:t>gPB</a:t>
+            </a:r>
+            <a:endParaRPr lang="de-DE" dirty="0"/>
+          </a:p>
+          <a:p>
+            <a:pPr marL="285750" indent="-285750">
+              <a:buFont typeface="Arial" panose="020B0604020202020204" pitchFamily="34" charset="0"/>
+              <a:buChar char="•"/>
+            </a:pPr>
+            <a:r>
+              <a:rPr lang="de-DE" dirty="0"/>
+              <a:t>Kante zählt nur als Kante, wenn mit allen 3 Methoden detektiert</a:t>
+            </a:r>
+            <a:endParaRPr lang="en-US" dirty="0"/>
+          </a:p>
+        </p:txBody>
+      </p:sp>
+      <p:sp>
+        <p:nvSpPr>
+          <p:cNvPr id="5" name="Footer Placeholder 4">
+            <a:extLst>
+              <a:ext uri="{FF2B5EF4-FFF2-40B4-BE49-F238E27FC236}">
+                <a16:creationId xmlns:a16="http://schemas.microsoft.com/office/drawing/2014/main" id="{00DBD86F-9C2F-4AD9-7AB5-E6831734F336}"/>
+              </a:ext>
+            </a:extLst>
+          </p:cNvPr>
+          <p:cNvSpPr>
+            <a:spLocks noGrp="1"/>
+          </p:cNvSpPr>
+          <p:nvPr>
+            <p:ph type="ftr" sz="quarter" idx="11"/>
+          </p:nvPr>
+        </p:nvSpPr>
+        <p:spPr>
+          <a:xfrm>
+            <a:off x="2463800" y="6356350"/>
+            <a:ext cx="3479800" cy="365125"/>
           </a:xfrm>
         </p:spPr>
         <p:txBody>
@@ -9887,42 +10198,18 @@
           <a:lstStyle/>
           <a:p>
             <a:r>
+              <a:rPr lang="en-US" dirty="0" err="1"/>
+              <a:t>Medizinische</a:t>
+            </a:r>
+            <a:r>
               <a:rPr lang="en-US" dirty="0"/>
-              <a:t>At Contoso, we empower organizations to foster collaborative thinking to further drive workplace innovation. By closing the loop and leveraging agile frameworks, we help business grow organically and foster a consumer-first mindset.​</a:t>
-            </a:r>
-          </a:p>
-        </p:txBody>
-      </p:sp>
-      <p:sp>
-        <p:nvSpPr>
-          <p:cNvPr id="5" name="Footer Placeholder 4">
-            <a:extLst>
-              <a:ext uri="{FF2B5EF4-FFF2-40B4-BE49-F238E27FC236}">
-                <a16:creationId xmlns:a16="http://schemas.microsoft.com/office/drawing/2014/main" id="{1C16490F-8A67-03B6-7979-01ED1074C98C}"/>
-              </a:ext>
-            </a:extLst>
-          </p:cNvPr>
-          <p:cNvSpPr>
-            <a:spLocks noGrp="1"/>
-          </p:cNvSpPr>
-          <p:nvPr>
-            <p:ph type="ftr" sz="quarter" idx="11"/>
-          </p:nvPr>
-        </p:nvSpPr>
-        <p:spPr>
-          <a:xfrm>
-            <a:off x="2463800" y="6356350"/>
-            <a:ext cx="3479800" cy="365125"/>
-          </a:xfrm>
-        </p:spPr>
-        <p:txBody>
-          <a:bodyPr/>
-          <a:lstStyle/>
-          <a:p>
-            <a:r>
-              <a:rPr lang="en-US" dirty="0"/>
-              <a:t>PRESENTATION TITLE</a:t>
-            </a:r>
+              <a:t> </a:t>
+            </a:r>
+            <a:r>
+              <a:rPr lang="en-US" dirty="0" err="1"/>
+              <a:t>Bildverarbeitung</a:t>
+            </a:r>
+            <a:endParaRPr lang="en-US" dirty="0"/>
           </a:p>
         </p:txBody>
       </p:sp>
@@ -9931,7 +10218,7 @@
           <p:cNvPr id="6" name="Slide Number Placeholder 5">
             <a:extLst>
               <a:ext uri="{FF2B5EF4-FFF2-40B4-BE49-F238E27FC236}">
-                <a16:creationId xmlns:a16="http://schemas.microsoft.com/office/drawing/2014/main" id="{285E8823-20C9-EE08-3E58-461E9B899737}"/>
+                <a16:creationId xmlns:a16="http://schemas.microsoft.com/office/drawing/2014/main" id="{2BBDB35C-74C2-4407-0CD0-885FFB0866A8}"/>
               </a:ext>
             </a:extLst>
           </p:cNvPr>
@@ -9963,10 +10250,10 @@
       </p:sp>
       <p:pic>
         <p:nvPicPr>
-          <p:cNvPr id="7" name="Grafik 6" descr="Ein Bild, das Menschliches Gesicht, Person, Lächeln, Vorderkopf enthält.&#10;&#10;Automatisch generierte Beschreibung">
-            <a:extLst>
-              <a:ext uri="{FF2B5EF4-FFF2-40B4-BE49-F238E27FC236}">
-                <a16:creationId xmlns:a16="http://schemas.microsoft.com/office/drawing/2014/main" id="{A9CCD523-6E26-C2E3-D33D-93429DD93844}"/>
+          <p:cNvPr id="10" name="Grafik 9" descr="Ein Bild, das Entwurf, Kunst, Schwarzweiß, monochrom enthält.&#10;&#10;Automatisch generierte Beschreibung">
+            <a:extLst>
+              <a:ext uri="{FF2B5EF4-FFF2-40B4-BE49-F238E27FC236}">
+                <a16:creationId xmlns:a16="http://schemas.microsoft.com/office/drawing/2014/main" id="{AF1A0236-9B7B-9D51-A25C-870898AEEBD6}"/>
               </a:ext>
             </a:extLst>
           </p:cNvPr>
@@ -9983,8 +10270,8 @@
         </p:blipFill>
         <p:spPr>
           <a:xfrm>
-            <a:off x="7997899" y="1598935"/>
-            <a:ext cx="2832026" cy="3660130"/>
+            <a:off x="6482718" y="2052692"/>
+            <a:ext cx="5709282" cy="3216163"/>
           </a:xfrm>
           <a:prstGeom prst="rect">
             <a:avLst/>
@@ -9994,7 +10281,7 @@
     </p:spTree>
     <p:extLst>
       <p:ext uri="{BB962C8B-B14F-4D97-AF65-F5344CB8AC3E}">
-        <p14:creationId xmlns:p14="http://schemas.microsoft.com/office/powerpoint/2010/main" val="1635209094"/>
+        <p14:creationId xmlns:p14="http://schemas.microsoft.com/office/powerpoint/2010/main" val="3413098961"/>
       </p:ext>
     </p:extLst>
   </p:cSld>
@@ -10012,7 +10299,7 @@
         <p:cNvPr id="1" name="">
           <a:extLst>
             <a:ext uri="{FF2B5EF4-FFF2-40B4-BE49-F238E27FC236}">
-              <a16:creationId xmlns:a16="http://schemas.microsoft.com/office/drawing/2014/main" id="{988FFB18-9955-C38E-58F1-6060A7796D5C}"/>
+              <a16:creationId xmlns:a16="http://schemas.microsoft.com/office/drawing/2014/main" id="{59FFC212-CE54-D61A-3F93-FA14596D18D6}"/>
             </a:ext>
           </a:extLst>
         </p:cNvPr>
@@ -10032,7 +10319,7 @@
           <p:cNvPr id="2" name="Title 1">
             <a:extLst>
               <a:ext uri="{FF2B5EF4-FFF2-40B4-BE49-F238E27FC236}">
-                <a16:creationId xmlns:a16="http://schemas.microsoft.com/office/drawing/2014/main" id="{E4FA41FB-8F1E-6C85-97AC-672846B3A85A}"/>
+                <a16:creationId xmlns:a16="http://schemas.microsoft.com/office/drawing/2014/main" id="{0BA8C7C3-86F6-9EA2-080E-4D631C20F895}"/>
               </a:ext>
             </a:extLst>
           </p:cNvPr>
@@ -10054,9 +10341,10 @@
           <a:lstStyle/>
           <a:p>
             <a:r>
-              <a:rPr lang="en-US" dirty="0"/>
-              <a:t>INTRODUCTION</a:t>
-            </a:r>
+              <a:rPr lang="en-US" dirty="0" err="1"/>
+              <a:t>Nierenlokalisation</a:t>
+            </a:r>
+            <a:endParaRPr lang="en-US" dirty="0"/>
           </a:p>
         </p:txBody>
       </p:sp>
@@ -10065,7 +10353,7 @@
           <p:cNvPr id="3" name="Text Placeholder 2">
             <a:extLst>
               <a:ext uri="{FF2B5EF4-FFF2-40B4-BE49-F238E27FC236}">
-                <a16:creationId xmlns:a16="http://schemas.microsoft.com/office/drawing/2014/main" id="{70C3B2EE-0363-6782-6E7A-F666A540120C}"/>
+                <a16:creationId xmlns:a16="http://schemas.microsoft.com/office/drawing/2014/main" id="{D4D8C788-0B55-FCED-7530-356E72AE6C2E}"/>
               </a:ext>
             </a:extLst>
           </p:cNvPr>
@@ -10079,7 +10367,86 @@
         <p:spPr>
           <a:xfrm>
             <a:off x="1362075" y="3660774"/>
-            <a:ext cx="5111750" cy="1525588"/>
+            <a:ext cx="5111750" cy="2695576"/>
+          </a:xfrm>
+        </p:spPr>
+        <p:txBody>
+          <a:bodyPr>
+            <a:normAutofit/>
+          </a:bodyPr>
+          <a:lstStyle/>
+          <a:p>
+            <a:pPr marL="285750" indent="-285750">
+              <a:buFont typeface="Arial" panose="020B0604020202020204" pitchFamily="34" charset="0"/>
+              <a:buChar char="•"/>
+            </a:pPr>
+            <a:r>
+              <a:rPr lang="de-DE" dirty="0"/>
+              <a:t>Referenz: </a:t>
+            </a:r>
+            <a:r>
+              <a:rPr lang="de-DE" dirty="0" err="1"/>
+              <a:t>KidneyCoronal</a:t>
+            </a:r>
+            <a:endParaRPr lang="de-DE" dirty="0"/>
+          </a:p>
+          <a:p>
+            <a:pPr marL="285750" indent="-285750">
+              <a:buFont typeface="Arial" panose="020B0604020202020204" pitchFamily="34" charset="0"/>
+              <a:buChar char="•"/>
+            </a:pPr>
+            <a:r>
+              <a:rPr lang="de-DE" dirty="0"/>
+              <a:t>Rotation von 0° in 25° Schritten</a:t>
+            </a:r>
+          </a:p>
+          <a:p>
+            <a:pPr marL="285750" indent="-285750">
+              <a:buFont typeface="Arial" panose="020B0604020202020204" pitchFamily="34" charset="0"/>
+              <a:buChar char="•"/>
+            </a:pPr>
+            <a:r>
+              <a:rPr lang="de-DE" dirty="0" err="1"/>
+              <a:t>Scale</a:t>
+            </a:r>
+            <a:r>
+              <a:rPr lang="de-DE" dirty="0"/>
+              <a:t> von 0.5 bis 4 in 0.25er Schritten</a:t>
+            </a:r>
+          </a:p>
+          <a:p>
+            <a:pPr marL="285750" indent="-285750">
+              <a:buFont typeface="Arial" panose="020B0604020202020204" pitchFamily="34" charset="0"/>
+              <a:buChar char="•"/>
+            </a:pPr>
+            <a:r>
+              <a:rPr lang="de-DE" dirty="0"/>
+              <a:t>Iteration über alle Rotationen und Scales und Aufruf der GHT</a:t>
+            </a:r>
+            <a:endParaRPr lang="en-US" dirty="0"/>
+          </a:p>
+        </p:txBody>
+      </p:sp>
+      <p:sp>
+        <p:nvSpPr>
+          <p:cNvPr id="5" name="Footer Placeholder 4">
+            <a:extLst>
+              <a:ext uri="{FF2B5EF4-FFF2-40B4-BE49-F238E27FC236}">
+                <a16:creationId xmlns:a16="http://schemas.microsoft.com/office/drawing/2014/main" id="{0621938F-D940-59A7-5A5B-DCD4317712E9}"/>
+              </a:ext>
+            </a:extLst>
+          </p:cNvPr>
+          <p:cNvSpPr>
+            <a:spLocks noGrp="1"/>
+          </p:cNvSpPr>
+          <p:nvPr>
+            <p:ph type="ftr" sz="quarter" idx="11"/>
+          </p:nvPr>
+        </p:nvSpPr>
+        <p:spPr>
+          <a:xfrm>
+            <a:off x="2463800" y="6356350"/>
+            <a:ext cx="3479800" cy="365125"/>
           </a:xfrm>
         </p:spPr>
         <p:txBody>
@@ -10087,42 +10454,18 @@
           <a:lstStyle/>
           <a:p>
             <a:r>
+              <a:rPr lang="en-US" dirty="0" err="1"/>
+              <a:t>Medizinische</a:t>
+            </a:r>
+            <a:r>
               <a:rPr lang="en-US" dirty="0"/>
-              <a:t>At Contoso, we empower organizations to foster collaborative thinking to further drive workplace innovation. By closing the loop and leveraging agile frameworks, we help business grow organically and foster a consumer-first mindset.​</a:t>
-            </a:r>
-          </a:p>
-        </p:txBody>
-      </p:sp>
-      <p:sp>
-        <p:nvSpPr>
-          <p:cNvPr id="5" name="Footer Placeholder 4">
-            <a:extLst>
-              <a:ext uri="{FF2B5EF4-FFF2-40B4-BE49-F238E27FC236}">
-                <a16:creationId xmlns:a16="http://schemas.microsoft.com/office/drawing/2014/main" id="{3BE6945B-DA48-ECC2-152E-6BE6184C9895}"/>
-              </a:ext>
-            </a:extLst>
-          </p:cNvPr>
-          <p:cNvSpPr>
-            <a:spLocks noGrp="1"/>
-          </p:cNvSpPr>
-          <p:nvPr>
-            <p:ph type="ftr" sz="quarter" idx="11"/>
-          </p:nvPr>
-        </p:nvSpPr>
-        <p:spPr>
-          <a:xfrm>
-            <a:off x="2463800" y="6356350"/>
-            <a:ext cx="3479800" cy="365125"/>
-          </a:xfrm>
-        </p:spPr>
-        <p:txBody>
-          <a:bodyPr/>
-          <a:lstStyle/>
-          <a:p>
-            <a:r>
-              <a:rPr lang="en-US" dirty="0"/>
-              <a:t>PRESENTATION TITLE</a:t>
-            </a:r>
+              <a:t> </a:t>
+            </a:r>
+            <a:r>
+              <a:rPr lang="en-US" dirty="0" err="1"/>
+              <a:t>Bildverarbeitung</a:t>
+            </a:r>
+            <a:endParaRPr lang="en-US" dirty="0"/>
           </a:p>
         </p:txBody>
       </p:sp>
@@ -10131,7 +10474,7 @@
           <p:cNvPr id="6" name="Slide Number Placeholder 5">
             <a:extLst>
               <a:ext uri="{FF2B5EF4-FFF2-40B4-BE49-F238E27FC236}">
-                <a16:creationId xmlns:a16="http://schemas.microsoft.com/office/drawing/2014/main" id="{F2957338-C57B-29F8-800C-07B3C77CE78C}"/>
+                <a16:creationId xmlns:a16="http://schemas.microsoft.com/office/drawing/2014/main" id="{992E0BA7-6155-A1A5-E99E-6193532EC11D}"/>
               </a:ext>
             </a:extLst>
           </p:cNvPr>
@@ -10163,10 +10506,10 @@
       </p:sp>
       <p:pic>
         <p:nvPicPr>
-          <p:cNvPr id="7" name="Grafik 6" descr="Ein Bild, das Menschliches Gesicht, Person, Lächeln, Vorderkopf enthält.&#10;&#10;Automatisch generierte Beschreibung">
-            <a:extLst>
-              <a:ext uri="{FF2B5EF4-FFF2-40B4-BE49-F238E27FC236}">
-                <a16:creationId xmlns:a16="http://schemas.microsoft.com/office/drawing/2014/main" id="{0D0B7A77-8450-FDA3-E70D-583D70EE8FA2}"/>
+          <p:cNvPr id="7" name="Grafik 6" descr="Ein Bild, das Text, Entwurf, Screenshot, Cartoon enthält.&#10;&#10;Automatisch generierte Beschreibung">
+            <a:extLst>
+              <a:ext uri="{FF2B5EF4-FFF2-40B4-BE49-F238E27FC236}">
+                <a16:creationId xmlns:a16="http://schemas.microsoft.com/office/drawing/2014/main" id="{2B50C4A0-ED19-0BBF-B9F4-23C9A46130A0}"/>
               </a:ext>
             </a:extLst>
           </p:cNvPr>
@@ -10183,8 +10526,8 @@
         </p:blipFill>
         <p:spPr>
           <a:xfrm>
-            <a:off x="7997899" y="1598935"/>
-            <a:ext cx="2832026" cy="3660130"/>
+            <a:off x="6473825" y="2054082"/>
+            <a:ext cx="5718175" cy="3213384"/>
           </a:xfrm>
           <a:prstGeom prst="rect">
             <a:avLst/>
@@ -10194,7 +10537,859 @@
     </p:spTree>
     <p:extLst>
       <p:ext uri="{BB962C8B-B14F-4D97-AF65-F5344CB8AC3E}">
-        <p14:creationId xmlns:p14="http://schemas.microsoft.com/office/powerpoint/2010/main" val="2833179684"/>
+        <p14:creationId xmlns:p14="http://schemas.microsoft.com/office/powerpoint/2010/main" val="1488191571"/>
+      </p:ext>
+    </p:extLst>
+  </p:cSld>
+  <p:clrMapOvr>
+    <a:masterClrMapping/>
+  </p:clrMapOvr>
+</p:sld>
+</file>
+
+<file path=ppt/slides/slide5.xml><?xml version="1.0" encoding="utf-8"?>
+<p:sld xmlns:a="http://schemas.openxmlformats.org/drawingml/2006/main" xmlns:r="http://schemas.openxmlformats.org/officeDocument/2006/relationships" xmlns:p="http://schemas.openxmlformats.org/presentationml/2006/main">
+  <p:cSld>
+    <p:spTree>
+      <p:nvGrpSpPr>
+        <p:cNvPr id="1" name="">
+          <a:extLst>
+            <a:ext uri="{FF2B5EF4-FFF2-40B4-BE49-F238E27FC236}">
+              <a16:creationId xmlns:a16="http://schemas.microsoft.com/office/drawing/2014/main" id="{4C89ED57-9201-F1F3-B505-236EF7C3BF0F}"/>
+            </a:ext>
+          </a:extLst>
+        </p:cNvPr>
+        <p:cNvGrpSpPr/>
+        <p:nvPr/>
+      </p:nvGrpSpPr>
+      <p:grpSpPr>
+        <a:xfrm>
+          <a:off x="0" y="0"/>
+          <a:ext cx="0" cy="0"/>
+          <a:chOff x="0" y="0"/>
+          <a:chExt cx="0" cy="0"/>
+        </a:xfrm>
+      </p:grpSpPr>
+      <p:sp>
+        <p:nvSpPr>
+          <p:cNvPr id="2" name="Title 1">
+            <a:extLst>
+              <a:ext uri="{FF2B5EF4-FFF2-40B4-BE49-F238E27FC236}">
+                <a16:creationId xmlns:a16="http://schemas.microsoft.com/office/drawing/2014/main" id="{A193179F-A8B5-FB82-12C0-B28DE1BCC305}"/>
+              </a:ext>
+            </a:extLst>
+          </p:cNvPr>
+          <p:cNvSpPr>
+            <a:spLocks noGrp="1"/>
+          </p:cNvSpPr>
+          <p:nvPr>
+            <p:ph type="title"/>
+          </p:nvPr>
+        </p:nvSpPr>
+        <p:spPr>
+          <a:xfrm>
+            <a:off x="1362075" y="1671639"/>
+            <a:ext cx="5111750" cy="1204912"/>
+          </a:xfrm>
+        </p:spPr>
+        <p:txBody>
+          <a:bodyPr/>
+          <a:lstStyle/>
+          <a:p>
+            <a:r>
+              <a:rPr lang="en-US" dirty="0" err="1"/>
+              <a:t>Nierensegmentierung</a:t>
+            </a:r>
+            <a:endParaRPr lang="en-US" dirty="0"/>
+          </a:p>
+        </p:txBody>
+      </p:sp>
+      <p:sp>
+        <p:nvSpPr>
+          <p:cNvPr id="3" name="Text Placeholder 2">
+            <a:extLst>
+              <a:ext uri="{FF2B5EF4-FFF2-40B4-BE49-F238E27FC236}">
+                <a16:creationId xmlns:a16="http://schemas.microsoft.com/office/drawing/2014/main" id="{DA230B1A-DE18-A6AA-BAF5-C9B7FAC9E1BA}"/>
+              </a:ext>
+            </a:extLst>
+          </p:cNvPr>
+          <p:cNvSpPr>
+            <a:spLocks noGrp="1"/>
+          </p:cNvSpPr>
+          <p:nvPr>
+            <p:ph type="body" idx="1"/>
+          </p:nvPr>
+        </p:nvSpPr>
+        <p:spPr>
+          <a:xfrm>
+            <a:off x="1362075" y="3660774"/>
+            <a:ext cx="5111750" cy="2695576"/>
+          </a:xfrm>
+        </p:spPr>
+        <p:txBody>
+          <a:bodyPr>
+            <a:normAutofit/>
+          </a:bodyPr>
+          <a:lstStyle/>
+          <a:p>
+            <a:pPr marL="285750" indent="-285750">
+              <a:buFont typeface="Arial" panose="020B0604020202020204" pitchFamily="34" charset="0"/>
+              <a:buChar char="•"/>
+            </a:pPr>
+            <a:r>
+              <a:rPr lang="de-DE" dirty="0"/>
+              <a:t>Chan-</a:t>
+            </a:r>
+            <a:r>
+              <a:rPr lang="de-DE" dirty="0" err="1"/>
+              <a:t>Vese</a:t>
+            </a:r>
+            <a:r>
+              <a:rPr lang="de-DE" dirty="0"/>
+              <a:t>-Segmentierung mit </a:t>
+            </a:r>
+            <a:r>
+              <a:rPr lang="de-DE" dirty="0" err="1"/>
+              <a:t>activecontour</a:t>
+            </a:r>
+            <a:endParaRPr lang="de-DE" dirty="0"/>
+          </a:p>
+          <a:p>
+            <a:pPr marL="285750" indent="-285750">
+              <a:buFont typeface="Arial" panose="020B0604020202020204" pitchFamily="34" charset="0"/>
+              <a:buChar char="•"/>
+            </a:pPr>
+            <a:r>
+              <a:rPr lang="de-DE" dirty="0"/>
+              <a:t>Detektion aller Objekte mit </a:t>
+            </a:r>
+            <a:r>
+              <a:rPr lang="de-DE" dirty="0" err="1"/>
+              <a:t>bwconncomp</a:t>
+            </a:r>
+            <a:endParaRPr lang="de-DE" dirty="0"/>
+          </a:p>
+          <a:p>
+            <a:pPr marL="285750" indent="-285750">
+              <a:buFont typeface="Arial" panose="020B0604020202020204" pitchFamily="34" charset="0"/>
+              <a:buChar char="•"/>
+            </a:pPr>
+            <a:r>
+              <a:rPr lang="de-DE" dirty="0"/>
+              <a:t>Löschen aller Objekte bis auf das größte</a:t>
+            </a:r>
+          </a:p>
+          <a:p>
+            <a:pPr marL="285750" indent="-285750">
+              <a:buFont typeface="Arial" panose="020B0604020202020204" pitchFamily="34" charset="0"/>
+              <a:buChar char="•"/>
+            </a:pPr>
+            <a:r>
+              <a:rPr lang="de-DE" dirty="0"/>
+              <a:t>Füllen der segmentierten Niere mittels </a:t>
+            </a:r>
+            <a:r>
+              <a:rPr lang="de-DE" dirty="0" err="1"/>
+              <a:t>imfill</a:t>
+            </a:r>
+            <a:endParaRPr lang="de-DE" dirty="0"/>
+          </a:p>
+          <a:p>
+            <a:pPr marL="285750" indent="-285750">
+              <a:buFont typeface="Arial" panose="020B0604020202020204" pitchFamily="34" charset="0"/>
+              <a:buChar char="•"/>
+            </a:pPr>
+            <a:r>
+              <a:rPr lang="de-DE" dirty="0"/>
+              <a:t>Darstellung mittels </a:t>
+            </a:r>
+            <a:r>
+              <a:rPr lang="de-DE" dirty="0" err="1"/>
+              <a:t>visboundaries</a:t>
+            </a:r>
+            <a:endParaRPr lang="en-US" dirty="0"/>
+          </a:p>
+        </p:txBody>
+      </p:sp>
+      <p:sp>
+        <p:nvSpPr>
+          <p:cNvPr id="5" name="Footer Placeholder 4">
+            <a:extLst>
+              <a:ext uri="{FF2B5EF4-FFF2-40B4-BE49-F238E27FC236}">
+                <a16:creationId xmlns:a16="http://schemas.microsoft.com/office/drawing/2014/main" id="{61F55DE2-7CBB-C14C-F4A6-4B387012D6B9}"/>
+              </a:ext>
+            </a:extLst>
+          </p:cNvPr>
+          <p:cNvSpPr>
+            <a:spLocks noGrp="1"/>
+          </p:cNvSpPr>
+          <p:nvPr>
+            <p:ph type="ftr" sz="quarter" idx="11"/>
+          </p:nvPr>
+        </p:nvSpPr>
+        <p:spPr>
+          <a:xfrm>
+            <a:off x="2463800" y="6356350"/>
+            <a:ext cx="3479800" cy="365125"/>
+          </a:xfrm>
+        </p:spPr>
+        <p:txBody>
+          <a:bodyPr/>
+          <a:lstStyle/>
+          <a:p>
+            <a:r>
+              <a:rPr lang="en-US" dirty="0" err="1"/>
+              <a:t>Medizinische</a:t>
+            </a:r>
+            <a:r>
+              <a:rPr lang="en-US" dirty="0"/>
+              <a:t> </a:t>
+            </a:r>
+            <a:r>
+              <a:rPr lang="en-US" dirty="0" err="1"/>
+              <a:t>Bildverarbeitung</a:t>
+            </a:r>
+            <a:endParaRPr lang="en-US" dirty="0"/>
+          </a:p>
+        </p:txBody>
+      </p:sp>
+      <p:sp>
+        <p:nvSpPr>
+          <p:cNvPr id="6" name="Slide Number Placeholder 5">
+            <a:extLst>
+              <a:ext uri="{FF2B5EF4-FFF2-40B4-BE49-F238E27FC236}">
+                <a16:creationId xmlns:a16="http://schemas.microsoft.com/office/drawing/2014/main" id="{DBF70A21-497F-4948-6EFD-3B0C650B24A4}"/>
+              </a:ext>
+            </a:extLst>
+          </p:cNvPr>
+          <p:cNvSpPr>
+            <a:spLocks noGrp="1"/>
+          </p:cNvSpPr>
+          <p:nvPr>
+            <p:ph type="sldNum" sz="quarter" idx="12"/>
+          </p:nvPr>
+        </p:nvSpPr>
+        <p:spPr>
+          <a:xfrm>
+            <a:off x="8610600" y="6356350"/>
+            <a:ext cx="2743200" cy="365125"/>
+          </a:xfrm>
+        </p:spPr>
+        <p:txBody>
+          <a:bodyPr/>
+          <a:lstStyle/>
+          <a:p>
+            <a:fld id="{A49DFD55-3C28-40EF-9E31-A92D2E4017FF}" type="slidenum">
+              <a:rPr lang="en-US" smtClean="0"/>
+              <a:pPr/>
+              <a:t>5</a:t>
+            </a:fld>
+            <a:endParaRPr lang="en-US" dirty="0"/>
+          </a:p>
+        </p:txBody>
+      </p:sp>
+      <p:pic>
+        <p:nvPicPr>
+          <p:cNvPr id="8" name="Grafik 7" descr="Ein Bild, das Screenshot, Text, Röntgenfilm enthält.&#10;&#10;Automatisch generierte Beschreibung">
+            <a:extLst>
+              <a:ext uri="{FF2B5EF4-FFF2-40B4-BE49-F238E27FC236}">
+                <a16:creationId xmlns:a16="http://schemas.microsoft.com/office/drawing/2014/main" id="{F3C53B06-5691-2C16-7975-B18DEF75FC6B}"/>
+              </a:ext>
+            </a:extLst>
+          </p:cNvPr>
+          <p:cNvPicPr>
+            <a:picLocks noChangeAspect="1"/>
+          </p:cNvPicPr>
+          <p:nvPr/>
+        </p:nvPicPr>
+        <p:blipFill>
+          <a:blip r:embed="rId2"/>
+          <a:stretch>
+            <a:fillRect/>
+          </a:stretch>
+        </p:blipFill>
+        <p:spPr>
+          <a:xfrm>
+            <a:off x="6096000" y="1714328"/>
+            <a:ext cx="6096000" cy="3429343"/>
+          </a:xfrm>
+          <a:prstGeom prst="rect">
+            <a:avLst/>
+          </a:prstGeom>
+        </p:spPr>
+      </p:pic>
+    </p:spTree>
+    <p:extLst>
+      <p:ext uri="{BB962C8B-B14F-4D97-AF65-F5344CB8AC3E}">
+        <p14:creationId xmlns:p14="http://schemas.microsoft.com/office/powerpoint/2010/main" val="3834196305"/>
+      </p:ext>
+    </p:extLst>
+  </p:cSld>
+  <p:clrMapOvr>
+    <a:masterClrMapping/>
+  </p:clrMapOvr>
+</p:sld>
+</file>
+
+<file path=ppt/slides/slide6.xml><?xml version="1.0" encoding="utf-8"?>
+<p:sld xmlns:a="http://schemas.openxmlformats.org/drawingml/2006/main" xmlns:r="http://schemas.openxmlformats.org/officeDocument/2006/relationships" xmlns:p="http://schemas.openxmlformats.org/presentationml/2006/main">
+  <p:cSld>
+    <p:spTree>
+      <p:nvGrpSpPr>
+        <p:cNvPr id="1" name="">
+          <a:extLst>
+            <a:ext uri="{FF2B5EF4-FFF2-40B4-BE49-F238E27FC236}">
+              <a16:creationId xmlns:a16="http://schemas.microsoft.com/office/drawing/2014/main" id="{C52E7272-C188-879C-46E8-77BB66B28EE3}"/>
+            </a:ext>
+          </a:extLst>
+        </p:cNvPr>
+        <p:cNvGrpSpPr/>
+        <p:nvPr/>
+      </p:nvGrpSpPr>
+      <p:grpSpPr>
+        <a:xfrm>
+          <a:off x="0" y="0"/>
+          <a:ext cx="0" cy="0"/>
+          <a:chOff x="0" y="0"/>
+          <a:chExt cx="0" cy="0"/>
+        </a:xfrm>
+      </p:grpSpPr>
+      <p:sp>
+        <p:nvSpPr>
+          <p:cNvPr id="2" name="Title 1">
+            <a:extLst>
+              <a:ext uri="{FF2B5EF4-FFF2-40B4-BE49-F238E27FC236}">
+                <a16:creationId xmlns:a16="http://schemas.microsoft.com/office/drawing/2014/main" id="{1130811F-FBA7-126E-8E32-A2DBAE4B941F}"/>
+              </a:ext>
+            </a:extLst>
+          </p:cNvPr>
+          <p:cNvSpPr>
+            <a:spLocks noGrp="1"/>
+          </p:cNvSpPr>
+          <p:nvPr>
+            <p:ph type="title"/>
+          </p:nvPr>
+        </p:nvSpPr>
+        <p:spPr>
+          <a:xfrm>
+            <a:off x="1362075" y="1671639"/>
+            <a:ext cx="5111750" cy="1204912"/>
+          </a:xfrm>
+        </p:spPr>
+        <p:txBody>
+          <a:bodyPr/>
+          <a:lstStyle/>
+          <a:p>
+            <a:r>
+              <a:rPr lang="en-US" dirty="0" err="1"/>
+              <a:t>Nierensegmentierung</a:t>
+            </a:r>
+            <a:endParaRPr lang="en-US" dirty="0"/>
+          </a:p>
+        </p:txBody>
+      </p:sp>
+      <p:sp>
+        <p:nvSpPr>
+          <p:cNvPr id="3" name="Text Placeholder 2">
+            <a:extLst>
+              <a:ext uri="{FF2B5EF4-FFF2-40B4-BE49-F238E27FC236}">
+                <a16:creationId xmlns:a16="http://schemas.microsoft.com/office/drawing/2014/main" id="{A056A7FA-7A89-05B1-0907-3AE0473BC8F8}"/>
+              </a:ext>
+            </a:extLst>
+          </p:cNvPr>
+          <p:cNvSpPr>
+            <a:spLocks noGrp="1"/>
+          </p:cNvSpPr>
+          <p:nvPr>
+            <p:ph type="body" idx="1"/>
+          </p:nvPr>
+        </p:nvSpPr>
+        <p:spPr>
+          <a:xfrm>
+            <a:off x="1362075" y="3660774"/>
+            <a:ext cx="5111750" cy="2695576"/>
+          </a:xfrm>
+        </p:spPr>
+        <p:txBody>
+          <a:bodyPr>
+            <a:normAutofit/>
+          </a:bodyPr>
+          <a:lstStyle/>
+          <a:p>
+            <a:pPr marL="285750" indent="-285750">
+              <a:buFont typeface="Arial" panose="020B0604020202020204" pitchFamily="34" charset="0"/>
+              <a:buChar char="•"/>
+            </a:pPr>
+            <a:r>
+              <a:rPr lang="de-DE" dirty="0"/>
+              <a:t>Chan-</a:t>
+            </a:r>
+            <a:r>
+              <a:rPr lang="de-DE" dirty="0" err="1"/>
+              <a:t>Vese</a:t>
+            </a:r>
+            <a:r>
+              <a:rPr lang="de-DE" dirty="0"/>
+              <a:t>-Segmentierung mit </a:t>
+            </a:r>
+            <a:r>
+              <a:rPr lang="de-DE" dirty="0" err="1"/>
+              <a:t>activecontour</a:t>
+            </a:r>
+            <a:endParaRPr lang="de-DE" dirty="0"/>
+          </a:p>
+          <a:p>
+            <a:pPr marL="285750" indent="-285750">
+              <a:buFont typeface="Arial" panose="020B0604020202020204" pitchFamily="34" charset="0"/>
+              <a:buChar char="•"/>
+            </a:pPr>
+            <a:r>
+              <a:rPr lang="de-DE" dirty="0"/>
+              <a:t>Detektion aller Objekte mit </a:t>
+            </a:r>
+            <a:r>
+              <a:rPr lang="de-DE" dirty="0" err="1"/>
+              <a:t>bwconncomp</a:t>
+            </a:r>
+            <a:endParaRPr lang="de-DE" dirty="0"/>
+          </a:p>
+          <a:p>
+            <a:pPr marL="285750" indent="-285750">
+              <a:buFont typeface="Arial" panose="020B0604020202020204" pitchFamily="34" charset="0"/>
+              <a:buChar char="•"/>
+            </a:pPr>
+            <a:r>
+              <a:rPr lang="de-DE" dirty="0"/>
+              <a:t>Löschen aller Objekte bis auf das größte</a:t>
+            </a:r>
+          </a:p>
+          <a:p>
+            <a:pPr marL="285750" indent="-285750">
+              <a:buFont typeface="Arial" panose="020B0604020202020204" pitchFamily="34" charset="0"/>
+              <a:buChar char="•"/>
+            </a:pPr>
+            <a:r>
+              <a:rPr lang="de-DE" dirty="0"/>
+              <a:t>Füllen der segmentierten Niere mittels </a:t>
+            </a:r>
+            <a:r>
+              <a:rPr lang="de-DE" dirty="0" err="1"/>
+              <a:t>imfill</a:t>
+            </a:r>
+            <a:endParaRPr lang="de-DE" dirty="0"/>
+          </a:p>
+          <a:p>
+            <a:pPr marL="285750" indent="-285750">
+              <a:buFont typeface="Arial" panose="020B0604020202020204" pitchFamily="34" charset="0"/>
+              <a:buChar char="•"/>
+            </a:pPr>
+            <a:r>
+              <a:rPr lang="de-DE" dirty="0"/>
+              <a:t>Darstellung mittels </a:t>
+            </a:r>
+            <a:r>
+              <a:rPr lang="de-DE" dirty="0" err="1"/>
+              <a:t>visboundaries</a:t>
+            </a:r>
+            <a:endParaRPr lang="en-US" dirty="0"/>
+          </a:p>
+        </p:txBody>
+      </p:sp>
+      <p:sp>
+        <p:nvSpPr>
+          <p:cNvPr id="5" name="Footer Placeholder 4">
+            <a:extLst>
+              <a:ext uri="{FF2B5EF4-FFF2-40B4-BE49-F238E27FC236}">
+                <a16:creationId xmlns:a16="http://schemas.microsoft.com/office/drawing/2014/main" id="{E0C0EE99-F5E2-1BFE-ABEC-2AB106AF9703}"/>
+              </a:ext>
+            </a:extLst>
+          </p:cNvPr>
+          <p:cNvSpPr>
+            <a:spLocks noGrp="1"/>
+          </p:cNvSpPr>
+          <p:nvPr>
+            <p:ph type="ftr" sz="quarter" idx="11"/>
+          </p:nvPr>
+        </p:nvSpPr>
+        <p:spPr>
+          <a:xfrm>
+            <a:off x="2463800" y="6356350"/>
+            <a:ext cx="3479800" cy="365125"/>
+          </a:xfrm>
+        </p:spPr>
+        <p:txBody>
+          <a:bodyPr/>
+          <a:lstStyle/>
+          <a:p>
+            <a:r>
+              <a:rPr lang="en-US" dirty="0" err="1"/>
+              <a:t>Medizinische</a:t>
+            </a:r>
+            <a:r>
+              <a:rPr lang="en-US" dirty="0"/>
+              <a:t> </a:t>
+            </a:r>
+            <a:r>
+              <a:rPr lang="en-US" dirty="0" err="1"/>
+              <a:t>Bildverarbeitung</a:t>
+            </a:r>
+            <a:endParaRPr lang="en-US" dirty="0"/>
+          </a:p>
+        </p:txBody>
+      </p:sp>
+      <p:sp>
+        <p:nvSpPr>
+          <p:cNvPr id="6" name="Slide Number Placeholder 5">
+            <a:extLst>
+              <a:ext uri="{FF2B5EF4-FFF2-40B4-BE49-F238E27FC236}">
+                <a16:creationId xmlns:a16="http://schemas.microsoft.com/office/drawing/2014/main" id="{98162D2E-2CA2-DFDC-00F3-A9C97C93AFB6}"/>
+              </a:ext>
+            </a:extLst>
+          </p:cNvPr>
+          <p:cNvSpPr>
+            <a:spLocks noGrp="1"/>
+          </p:cNvSpPr>
+          <p:nvPr>
+            <p:ph type="sldNum" sz="quarter" idx="12"/>
+          </p:nvPr>
+        </p:nvSpPr>
+        <p:spPr>
+          <a:xfrm>
+            <a:off x="8610600" y="6356350"/>
+            <a:ext cx="2743200" cy="365125"/>
+          </a:xfrm>
+        </p:spPr>
+        <p:txBody>
+          <a:bodyPr/>
+          <a:lstStyle/>
+          <a:p>
+            <a:fld id="{A49DFD55-3C28-40EF-9E31-A92D2E4017FF}" type="slidenum">
+              <a:rPr lang="en-US" smtClean="0"/>
+              <a:pPr/>
+              <a:t>6</a:t>
+            </a:fld>
+            <a:endParaRPr lang="en-US" dirty="0"/>
+          </a:p>
+        </p:txBody>
+      </p:sp>
+      <p:pic>
+        <p:nvPicPr>
+          <p:cNvPr id="8" name="Grafik 7" descr="Ein Bild, das Screenshot, Text, Röntgenfilm enthält.&#10;&#10;Automatisch generierte Beschreibung">
+            <a:extLst>
+              <a:ext uri="{FF2B5EF4-FFF2-40B4-BE49-F238E27FC236}">
+                <a16:creationId xmlns:a16="http://schemas.microsoft.com/office/drawing/2014/main" id="{B3B0DBAC-6576-DED4-2682-41FE15685963}"/>
+              </a:ext>
+            </a:extLst>
+          </p:cNvPr>
+          <p:cNvPicPr>
+            <a:picLocks noChangeAspect="1"/>
+          </p:cNvPicPr>
+          <p:nvPr/>
+        </p:nvPicPr>
+        <p:blipFill>
+          <a:blip r:embed="rId2"/>
+          <a:stretch>
+            <a:fillRect/>
+          </a:stretch>
+        </p:blipFill>
+        <p:spPr>
+          <a:xfrm>
+            <a:off x="6096000" y="1714328"/>
+            <a:ext cx="6096000" cy="3429343"/>
+          </a:xfrm>
+          <a:prstGeom prst="rect">
+            <a:avLst/>
+          </a:prstGeom>
+        </p:spPr>
+      </p:pic>
+    </p:spTree>
+    <p:extLst>
+      <p:ext uri="{BB962C8B-B14F-4D97-AF65-F5344CB8AC3E}">
+        <p14:creationId xmlns:p14="http://schemas.microsoft.com/office/powerpoint/2010/main" val="577388643"/>
+      </p:ext>
+    </p:extLst>
+  </p:cSld>
+  <p:clrMapOvr>
+    <a:masterClrMapping/>
+  </p:clrMapOvr>
+</p:sld>
+</file>
+
+<file path=ppt/slides/slide7.xml><?xml version="1.0" encoding="utf-8"?>
+<p:sld xmlns:a="http://schemas.openxmlformats.org/drawingml/2006/main" xmlns:r="http://schemas.openxmlformats.org/officeDocument/2006/relationships" xmlns:p="http://schemas.openxmlformats.org/presentationml/2006/main">
+  <p:cSld>
+    <p:spTree>
+      <p:nvGrpSpPr>
+        <p:cNvPr id="1" name="">
+          <a:extLst>
+            <a:ext uri="{FF2B5EF4-FFF2-40B4-BE49-F238E27FC236}">
+              <a16:creationId xmlns:a16="http://schemas.microsoft.com/office/drawing/2014/main" id="{D968B8D8-A214-1693-79F0-07F370B88A9C}"/>
+            </a:ext>
+          </a:extLst>
+        </p:cNvPr>
+        <p:cNvGrpSpPr/>
+        <p:nvPr/>
+      </p:nvGrpSpPr>
+      <p:grpSpPr>
+        <a:xfrm>
+          <a:off x="0" y="0"/>
+          <a:ext cx="0" cy="0"/>
+          <a:chOff x="0" y="0"/>
+          <a:chExt cx="0" cy="0"/>
+        </a:xfrm>
+      </p:grpSpPr>
+      <p:sp>
+        <p:nvSpPr>
+          <p:cNvPr id="2" name="Title 1">
+            <a:extLst>
+              <a:ext uri="{FF2B5EF4-FFF2-40B4-BE49-F238E27FC236}">
+                <a16:creationId xmlns:a16="http://schemas.microsoft.com/office/drawing/2014/main" id="{B93D23B7-C63F-D9E0-4D40-03F018C0C318}"/>
+              </a:ext>
+            </a:extLst>
+          </p:cNvPr>
+          <p:cNvSpPr>
+            <a:spLocks noGrp="1"/>
+          </p:cNvSpPr>
+          <p:nvPr>
+            <p:ph type="title"/>
+          </p:nvPr>
+        </p:nvSpPr>
+        <p:spPr>
+          <a:xfrm>
+            <a:off x="1362075" y="1671639"/>
+            <a:ext cx="5111750" cy="1204912"/>
+          </a:xfrm>
+        </p:spPr>
+        <p:txBody>
+          <a:bodyPr/>
+          <a:lstStyle/>
+          <a:p>
+            <a:r>
+              <a:rPr lang="en-US" dirty="0" err="1"/>
+              <a:t>Nierensegmentierung</a:t>
+            </a:r>
+            <a:endParaRPr lang="en-US" dirty="0"/>
+          </a:p>
+        </p:txBody>
+      </p:sp>
+      <p:sp>
+        <p:nvSpPr>
+          <p:cNvPr id="3" name="Text Placeholder 2">
+            <a:extLst>
+              <a:ext uri="{FF2B5EF4-FFF2-40B4-BE49-F238E27FC236}">
+                <a16:creationId xmlns:a16="http://schemas.microsoft.com/office/drawing/2014/main" id="{57334622-632D-F9F8-DE77-014FFCCAEE17}"/>
+              </a:ext>
+            </a:extLst>
+          </p:cNvPr>
+          <p:cNvSpPr>
+            <a:spLocks noGrp="1"/>
+          </p:cNvSpPr>
+          <p:nvPr>
+            <p:ph type="body" idx="1"/>
+          </p:nvPr>
+        </p:nvSpPr>
+        <p:spPr>
+          <a:xfrm>
+            <a:off x="1362075" y="3660774"/>
+            <a:ext cx="5111750" cy="2695576"/>
+          </a:xfrm>
+        </p:spPr>
+        <p:txBody>
+          <a:bodyPr>
+            <a:normAutofit/>
+          </a:bodyPr>
+          <a:lstStyle/>
+          <a:p>
+            <a:pPr marL="285750" indent="-285750">
+              <a:buFont typeface="Arial" panose="020B0604020202020204" pitchFamily="34" charset="0"/>
+              <a:buChar char="•"/>
+            </a:pPr>
+            <a:r>
+              <a:rPr lang="de-DE" dirty="0"/>
+              <a:t>Chan-</a:t>
+            </a:r>
+            <a:r>
+              <a:rPr lang="de-DE" dirty="0" err="1"/>
+              <a:t>Vese</a:t>
+            </a:r>
+            <a:r>
+              <a:rPr lang="de-DE" dirty="0"/>
+              <a:t>-Segmentierung mit </a:t>
+            </a:r>
+            <a:r>
+              <a:rPr lang="de-DE" dirty="0" err="1"/>
+              <a:t>activecontour</a:t>
+            </a:r>
+            <a:endParaRPr lang="de-DE" dirty="0"/>
+          </a:p>
+          <a:p>
+            <a:pPr marL="285750" indent="-285750">
+              <a:buFont typeface="Arial" panose="020B0604020202020204" pitchFamily="34" charset="0"/>
+              <a:buChar char="•"/>
+            </a:pPr>
+            <a:r>
+              <a:rPr lang="de-DE" dirty="0"/>
+              <a:t>Detektion aller Objekte mit </a:t>
+            </a:r>
+            <a:r>
+              <a:rPr lang="de-DE" dirty="0" err="1"/>
+              <a:t>bwconncomp</a:t>
+            </a:r>
+            <a:endParaRPr lang="de-DE" dirty="0"/>
+          </a:p>
+          <a:p>
+            <a:pPr marL="285750" indent="-285750">
+              <a:buFont typeface="Arial" panose="020B0604020202020204" pitchFamily="34" charset="0"/>
+              <a:buChar char="•"/>
+            </a:pPr>
+            <a:r>
+              <a:rPr lang="de-DE" dirty="0"/>
+              <a:t>Löschen aller Objekte bis auf das größte</a:t>
+            </a:r>
+          </a:p>
+          <a:p>
+            <a:pPr marL="285750" indent="-285750">
+              <a:buFont typeface="Arial" panose="020B0604020202020204" pitchFamily="34" charset="0"/>
+              <a:buChar char="•"/>
+            </a:pPr>
+            <a:r>
+              <a:rPr lang="de-DE" dirty="0"/>
+              <a:t>Füllen der segmentierten Niere mittels </a:t>
+            </a:r>
+            <a:r>
+              <a:rPr lang="de-DE" dirty="0" err="1"/>
+              <a:t>imfill</a:t>
+            </a:r>
+            <a:endParaRPr lang="de-DE" dirty="0"/>
+          </a:p>
+          <a:p>
+            <a:pPr marL="285750" indent="-285750">
+              <a:buFont typeface="Arial" panose="020B0604020202020204" pitchFamily="34" charset="0"/>
+              <a:buChar char="•"/>
+            </a:pPr>
+            <a:r>
+              <a:rPr lang="de-DE" dirty="0"/>
+              <a:t>Darstellung mittels </a:t>
+            </a:r>
+            <a:r>
+              <a:rPr lang="de-DE" dirty="0" err="1"/>
+              <a:t>visboundaries</a:t>
+            </a:r>
+            <a:endParaRPr lang="en-US" dirty="0"/>
+          </a:p>
+        </p:txBody>
+      </p:sp>
+      <p:sp>
+        <p:nvSpPr>
+          <p:cNvPr id="5" name="Footer Placeholder 4">
+            <a:extLst>
+              <a:ext uri="{FF2B5EF4-FFF2-40B4-BE49-F238E27FC236}">
+                <a16:creationId xmlns:a16="http://schemas.microsoft.com/office/drawing/2014/main" id="{E6296123-BDA1-51B7-DB40-162D24613E1D}"/>
+              </a:ext>
+            </a:extLst>
+          </p:cNvPr>
+          <p:cNvSpPr>
+            <a:spLocks noGrp="1"/>
+          </p:cNvSpPr>
+          <p:nvPr>
+            <p:ph type="ftr" sz="quarter" idx="11"/>
+          </p:nvPr>
+        </p:nvSpPr>
+        <p:spPr>
+          <a:xfrm>
+            <a:off x="2463800" y="6356350"/>
+            <a:ext cx="3479800" cy="365125"/>
+          </a:xfrm>
+        </p:spPr>
+        <p:txBody>
+          <a:bodyPr/>
+          <a:lstStyle/>
+          <a:p>
+            <a:r>
+              <a:rPr lang="en-US" dirty="0" err="1"/>
+              <a:t>Medizinische</a:t>
+            </a:r>
+            <a:r>
+              <a:rPr lang="en-US" dirty="0"/>
+              <a:t> </a:t>
+            </a:r>
+            <a:r>
+              <a:rPr lang="en-US" dirty="0" err="1"/>
+              <a:t>Bildverarbeitung</a:t>
+            </a:r>
+            <a:endParaRPr lang="en-US" dirty="0"/>
+          </a:p>
+        </p:txBody>
+      </p:sp>
+      <p:sp>
+        <p:nvSpPr>
+          <p:cNvPr id="6" name="Slide Number Placeholder 5">
+            <a:extLst>
+              <a:ext uri="{FF2B5EF4-FFF2-40B4-BE49-F238E27FC236}">
+                <a16:creationId xmlns:a16="http://schemas.microsoft.com/office/drawing/2014/main" id="{37BCA582-7F95-E8FD-7711-1742AA85431F}"/>
+              </a:ext>
+            </a:extLst>
+          </p:cNvPr>
+          <p:cNvSpPr>
+            <a:spLocks noGrp="1"/>
+          </p:cNvSpPr>
+          <p:nvPr>
+            <p:ph type="sldNum" sz="quarter" idx="12"/>
+          </p:nvPr>
+        </p:nvSpPr>
+        <p:spPr>
+          <a:xfrm>
+            <a:off x="8610600" y="6356350"/>
+            <a:ext cx="2743200" cy="365125"/>
+          </a:xfrm>
+        </p:spPr>
+        <p:txBody>
+          <a:bodyPr/>
+          <a:lstStyle/>
+          <a:p>
+            <a:fld id="{A49DFD55-3C28-40EF-9E31-A92D2E4017FF}" type="slidenum">
+              <a:rPr lang="en-US" smtClean="0"/>
+              <a:pPr/>
+              <a:t>7</a:t>
+            </a:fld>
+            <a:endParaRPr lang="en-US" dirty="0"/>
+          </a:p>
+        </p:txBody>
+      </p:sp>
+      <p:pic>
+        <p:nvPicPr>
+          <p:cNvPr id="9" name="Grafik 8" descr="Ein Bild, das Text, Screenshot, Design enthält.&#10;&#10;Automatisch generierte Beschreibung">
+            <a:extLst>
+              <a:ext uri="{FF2B5EF4-FFF2-40B4-BE49-F238E27FC236}">
+                <a16:creationId xmlns:a16="http://schemas.microsoft.com/office/drawing/2014/main" id="{5CFDE1C0-7311-35B6-27EE-D80C5B565DCD}"/>
+              </a:ext>
+            </a:extLst>
+          </p:cNvPr>
+          <p:cNvPicPr>
+            <a:picLocks noChangeAspect="1"/>
+          </p:cNvPicPr>
+          <p:nvPr/>
+        </p:nvPicPr>
+        <p:blipFill>
+          <a:blip r:embed="rId2"/>
+          <a:stretch>
+            <a:fillRect/>
+          </a:stretch>
+        </p:blipFill>
+        <p:spPr>
+          <a:xfrm>
+            <a:off x="7868730" y="816851"/>
+            <a:ext cx="3485070" cy="5224298"/>
+          </a:xfrm>
+          <a:prstGeom prst="rect">
+            <a:avLst/>
+          </a:prstGeom>
+        </p:spPr>
+      </p:pic>
+    </p:spTree>
+    <p:extLst>
+      <p:ext uri="{BB962C8B-B14F-4D97-AF65-F5344CB8AC3E}">
+        <p14:creationId xmlns:p14="http://schemas.microsoft.com/office/powerpoint/2010/main" val="2983308115"/>
       </p:ext>
     </p:extLst>
   </p:cSld>
@@ -11005,6 +12200,26 @@
 </file>
 
 <file path=customXml/item2.xml><?xml version="1.0" encoding="utf-8"?>
+<p:properties xmlns:p="http://schemas.microsoft.com/office/2006/metadata/properties" xmlns:xsi="http://www.w3.org/2001/XMLSchema-instance" xmlns:pc="http://schemas.microsoft.com/office/infopath/2007/PartnerControls">
+  <documentManagement>
+    <_ip_UnifiedCompliancePolicyUIAction xmlns="http://schemas.microsoft.com/sharepoint/v3" xsi:nil="true"/>
+    <Image xmlns="71af3243-3dd4-4a8d-8c0d-dd76da1f02a5">
+      <Url xsi:nil="true"/>
+      <Description xsi:nil="true"/>
+    </Image>
+    <Status xmlns="71af3243-3dd4-4a8d-8c0d-dd76da1f02a5">Not started</Status>
+    <_ip_UnifiedCompliancePolicyProperties xmlns="http://schemas.microsoft.com/sharepoint/v3" xsi:nil="true"/>
+    <ImageTagsTaxHTField xmlns="71af3243-3dd4-4a8d-8c0d-dd76da1f02a5">
+      <Terms xmlns="http://schemas.microsoft.com/office/infopath/2007/PartnerControls"/>
+    </ImageTagsTaxHTField>
+    <TaxCatchAll xmlns="230e9df3-be65-4c73-a93b-d1236ebd677e" xsi:nil="true"/>
+    <MediaServiceKeyPoints xmlns="71af3243-3dd4-4a8d-8c0d-dd76da1f02a5" xsi:nil="true"/>
+    <Background xmlns="71af3243-3dd4-4a8d-8c0d-dd76da1f02a5">false</Background>
+  </documentManagement>
+</p:properties>
+</file>
+
+<file path=customXml/item3.xml><?xml version="1.0" encoding="utf-8"?>
 <ct:contentTypeSchema xmlns:ct="http://schemas.microsoft.com/office/2006/metadata/contentType" xmlns:ma="http://schemas.microsoft.com/office/2006/metadata/properties/metaAttributes" ct:_="" ma:_="" ma:contentTypeName="Document" ma:contentTypeID="0x01010079F111ED35F8CC479449609E8A0923A6" ma:contentTypeVersion="28" ma:contentTypeDescription="Create a new document." ma:contentTypeScope="" ma:versionID="60f5a4f2d2b0abadcf532d48ebf9cb71">
   <xsd:schema xmlns:xsd="http://www.w3.org/2001/XMLSchema" xmlns:xs="http://www.w3.org/2001/XMLSchema" xmlns:p="http://schemas.microsoft.com/office/2006/metadata/properties" xmlns:ns1="http://schemas.microsoft.com/sharepoint/v3" xmlns:ns2="71af3243-3dd4-4a8d-8c0d-dd76da1f02a5" xmlns:ns3="16c05727-aa75-4e4a-9b5f-8a80a1165891" xmlns:ns4="230e9df3-be65-4c73-a93b-d1236ebd677e" targetNamespace="http://schemas.microsoft.com/office/2006/metadata/properties" ma:root="true" ma:fieldsID="7dd78129e6a1811f84807ad11c651531" ns1:_="" ns2:_="" ns3:_="" ns4:_="">
     <xsd:import namespace="http://schemas.microsoft.com/sharepoint/v3"/>
@@ -11316,26 +12531,6 @@
 </ct:contentTypeSchema>
 </file>
 
-<file path=customXml/item3.xml><?xml version="1.0" encoding="utf-8"?>
-<p:properties xmlns:p="http://schemas.microsoft.com/office/2006/metadata/properties" xmlns:xsi="http://www.w3.org/2001/XMLSchema-instance" xmlns:pc="http://schemas.microsoft.com/office/infopath/2007/PartnerControls">
-  <documentManagement>
-    <_ip_UnifiedCompliancePolicyUIAction xmlns="http://schemas.microsoft.com/sharepoint/v3" xsi:nil="true"/>
-    <Image xmlns="71af3243-3dd4-4a8d-8c0d-dd76da1f02a5">
-      <Url xsi:nil="true"/>
-      <Description xsi:nil="true"/>
-    </Image>
-    <Status xmlns="71af3243-3dd4-4a8d-8c0d-dd76da1f02a5">Not started</Status>
-    <_ip_UnifiedCompliancePolicyProperties xmlns="http://schemas.microsoft.com/sharepoint/v3" xsi:nil="true"/>
-    <ImageTagsTaxHTField xmlns="71af3243-3dd4-4a8d-8c0d-dd76da1f02a5">
-      <Terms xmlns="http://schemas.microsoft.com/office/infopath/2007/PartnerControls"/>
-    </ImageTagsTaxHTField>
-    <TaxCatchAll xmlns="230e9df3-be65-4c73-a93b-d1236ebd677e" xsi:nil="true"/>
-    <MediaServiceKeyPoints xmlns="71af3243-3dd4-4a8d-8c0d-dd76da1f02a5" xsi:nil="true"/>
-    <Background xmlns="71af3243-3dd4-4a8d-8c0d-dd76da1f02a5">false</Background>
-  </documentManagement>
-</p:properties>
-</file>
-
 <file path=customXml/itemProps1.xml><?xml version="1.0" encoding="utf-8"?>
 <ds:datastoreItem xmlns:ds="http://schemas.openxmlformats.org/officeDocument/2006/customXml" ds:itemID="{BD5826B4-4DD2-4A9B-8D6D-E91CF9C2316C}">
   <ds:schemaRefs>
@@ -11345,6 +12540,18 @@
 </file>
 
 <file path=customXml/itemProps2.xml><?xml version="1.0" encoding="utf-8"?>
+<ds:datastoreItem xmlns:ds="http://schemas.openxmlformats.org/officeDocument/2006/customXml" ds:itemID="{4CC7F809-A434-4A8D-A127-1C50C2DB3890}">
+  <ds:schemaRefs>
+    <ds:schemaRef ds:uri="http://schemas.microsoft.com/office/2006/metadata/properties"/>
+    <ds:schemaRef ds:uri="http://schemas.microsoft.com/office/infopath/2007/PartnerControls"/>
+    <ds:schemaRef ds:uri="http://schemas.microsoft.com/sharepoint/v3"/>
+    <ds:schemaRef ds:uri="71af3243-3dd4-4a8d-8c0d-dd76da1f02a5"/>
+    <ds:schemaRef ds:uri="230e9df3-be65-4c73-a93b-d1236ebd677e"/>
+  </ds:schemaRefs>
+</ds:datastoreItem>
+</file>
+
+<file path=customXml/itemProps3.xml><?xml version="1.0" encoding="utf-8"?>
 <ds:datastoreItem xmlns:ds="http://schemas.openxmlformats.org/officeDocument/2006/customXml" ds:itemID="{00E6EE1E-660B-46C6-AC21-8E505FB9574F}">
   <ds:schemaRefs>
     <ds:schemaRef ds:uri="http://schemas.microsoft.com/office/2006/metadata/contentType"/>
@@ -11365,18 +12572,6 @@
 </ds:datastoreItem>
 </file>
 
-<file path=customXml/itemProps3.xml><?xml version="1.0" encoding="utf-8"?>
-<ds:datastoreItem xmlns:ds="http://schemas.openxmlformats.org/officeDocument/2006/customXml" ds:itemID="{4CC7F809-A434-4A8D-A127-1C50C2DB3890}">
-  <ds:schemaRefs>
-    <ds:schemaRef ds:uri="http://schemas.microsoft.com/office/2006/metadata/properties"/>
-    <ds:schemaRef ds:uri="http://schemas.microsoft.com/office/infopath/2007/PartnerControls"/>
-    <ds:schemaRef ds:uri="http://schemas.microsoft.com/sharepoint/v3"/>
-    <ds:schemaRef ds:uri="71af3243-3dd4-4a8d-8c0d-dd76da1f02a5"/>
-    <ds:schemaRef ds:uri="230e9df3-be65-4c73-a93b-d1236ebd677e"/>
-  </ds:schemaRefs>
-</ds:datastoreItem>
-</file>
-
 <file path=docMetadata/LabelInfo.xml><?xml version="1.0" encoding="utf-8"?>
 <clbl:labelList xmlns:clbl="http://schemas.microsoft.com/office/2020/mipLabelMetadata"/>
 </file>